--- a/lecture_introduction/presentation/lecture_introduction.pptx
+++ b/lecture_introduction/presentation/lecture_introduction.pptx
@@ -5,22 +5,23 @@
     <p:sldMasterId id="2147483648" r:id="rId1"/>
   </p:sldMasterIdLst>
   <p:notesMasterIdLst>
-    <p:notesMasterId r:id="rId12"/>
+    <p:notesMasterId r:id="rId13"/>
   </p:notesMasterIdLst>
   <p:handoutMasterIdLst>
-    <p:handoutMasterId r:id="rId13"/>
+    <p:handoutMasterId r:id="rId14"/>
   </p:handoutMasterIdLst>
   <p:sldIdLst>
     <p:sldId id="374" r:id="rId2"/>
     <p:sldId id="376" r:id="rId3"/>
     <p:sldId id="375" r:id="rId4"/>
-    <p:sldId id="256" r:id="rId5"/>
-    <p:sldId id="334" r:id="rId6"/>
-    <p:sldId id="371" r:id="rId7"/>
-    <p:sldId id="372" r:id="rId8"/>
-    <p:sldId id="257" r:id="rId9"/>
-    <p:sldId id="373" r:id="rId10"/>
-    <p:sldId id="294" r:id="rId11"/>
+    <p:sldId id="377" r:id="rId5"/>
+    <p:sldId id="256" r:id="rId6"/>
+    <p:sldId id="334" r:id="rId7"/>
+    <p:sldId id="371" r:id="rId8"/>
+    <p:sldId id="372" r:id="rId9"/>
+    <p:sldId id="257" r:id="rId10"/>
+    <p:sldId id="373" r:id="rId11"/>
+    <p:sldId id="294" r:id="rId12"/>
   </p:sldIdLst>
   <p:sldSz cx="9144000" cy="6858000" type="screen4x3"/>
   <p:notesSz cx="6858000" cy="9947275"/>
@@ -220,7 +221,7 @@
           <a:p>
             <a:fld id="{28F8CEA9-E436-4F45-AF2A-634DC4ABDA17}" type="datetimeFigureOut">
               <a:rPr lang="ru-RU" smtClean="0"/>
-              <a:t>05.05.2018</a:t>
+              <a:t>08.10.2018</a:t>
             </a:fld>
             <a:endParaRPr lang="ru-RU"/>
           </a:p>
@@ -385,7 +386,7 @@
           <a:p>
             <a:fld id="{599FBC4C-1749-4424-9522-1B6D127EF272}" type="datetimeFigureOut">
               <a:rPr lang="ru-RU" smtClean="0"/>
-              <a:t>05.05.2018</a:t>
+              <a:t>08.10.2018</a:t>
             </a:fld>
             <a:endParaRPr lang="ru-RU" dirty="0"/>
           </a:p>
@@ -4492,29 +4493,6 @@
           </a:p>
         </p:txBody>
       </p:sp>
-      <p:sp>
-        <p:nvSpPr>
-          <p:cNvPr id="4" name="Нижний колонтитул 3"/>
-          <p:cNvSpPr>
-            <a:spLocks noGrp="1"/>
-          </p:cNvSpPr>
-          <p:nvPr>
-            <p:ph type="ftr" sz="quarter" idx="11"/>
-          </p:nvPr>
-        </p:nvSpPr>
-        <p:spPr/>
-        <p:txBody>
-          <a:bodyPr/>
-          <a:lstStyle/>
-          <a:p>
-            <a:r>
-              <a:rPr lang="ru-RU" b="1" dirty="0" smtClean="0"/>
-              <a:t>01 - 02.2018 </a:t>
-            </a:r>
-            <a:endParaRPr lang="ru-RU" dirty="0"/>
-          </a:p>
-        </p:txBody>
-      </p:sp>
     </p:spTree>
     <p:extLst>
       <p:ext uri="{BB962C8B-B14F-4D97-AF65-F5344CB8AC3E}">
@@ -4559,6 +4537,274 @@
             <a:spLocks noGrp="1"/>
           </p:cNvSpPr>
           <p:nvPr>
+            <p:ph type="title"/>
+          </p:nvPr>
+        </p:nvSpPr>
+        <p:spPr/>
+        <p:txBody>
+          <a:bodyPr/>
+          <a:lstStyle/>
+          <a:p>
+            <a:r>
+              <a:rPr lang="en-US" dirty="0" smtClean="0"/>
+              <a:t>Practical part</a:t>
+            </a:r>
+            <a:endParaRPr lang="ru-RU" dirty="0"/>
+          </a:p>
+        </p:txBody>
+      </p:sp>
+      <p:sp>
+        <p:nvSpPr>
+          <p:cNvPr id="6" name="Нижний колонтитул 5"/>
+          <p:cNvSpPr>
+            <a:spLocks noGrp="1"/>
+          </p:cNvSpPr>
+          <p:nvPr>
+            <p:ph type="ftr" sz="quarter" idx="11"/>
+          </p:nvPr>
+        </p:nvSpPr>
+        <p:spPr/>
+        <p:txBody>
+          <a:bodyPr/>
+          <a:lstStyle/>
+          <a:p>
+            <a:r>
+              <a:rPr lang="en-US" b="1" dirty="0"/>
+              <a:t>TENSOR.BY	ML-course</a:t>
+            </a:r>
+            <a:r>
+              <a:rPr lang="en-US" b="1" dirty="0"/>
+              <a:t>.   1. </a:t>
+            </a:r>
+            <a:r>
+              <a:rPr lang="en-US" dirty="0"/>
+              <a:t>Preparing data for modeling in Python </a:t>
+            </a:r>
+            <a:endParaRPr lang="ru-RU" dirty="0"/>
+          </a:p>
+        </p:txBody>
+      </p:sp>
+      <p:sp>
+        <p:nvSpPr>
+          <p:cNvPr id="4" name="Номер слайда 3"/>
+          <p:cNvSpPr>
+            <a:spLocks noGrp="1"/>
+          </p:cNvSpPr>
+          <p:nvPr>
+            <p:ph type="sldNum" sz="quarter" idx="12"/>
+          </p:nvPr>
+        </p:nvSpPr>
+        <p:spPr/>
+        <p:txBody>
+          <a:bodyPr/>
+          <a:lstStyle/>
+          <a:p>
+            <a:fld id="{B491C8E4-965C-47C5-86B5-2FEC2000E3F4}" type="slidenum">
+              <a:rPr lang="ru-RU" smtClean="0"/>
+              <a:pPr/>
+              <a:t>10</a:t>
+            </a:fld>
+            <a:endParaRPr lang="ru-RU" dirty="0"/>
+          </a:p>
+        </p:txBody>
+      </p:sp>
+      <p:pic>
+        <p:nvPicPr>
+          <p:cNvPr id="5" name="Рисунок 4"/>
+          <p:cNvPicPr>
+            <a:picLocks noChangeAspect="1"/>
+          </p:cNvPicPr>
+          <p:nvPr/>
+        </p:nvPicPr>
+        <p:blipFill>
+          <a:blip r:embed="rId2"/>
+          <a:stretch>
+            <a:fillRect/>
+          </a:stretch>
+        </p:blipFill>
+        <p:spPr>
+          <a:xfrm>
+            <a:off x="999067" y="1397778"/>
+            <a:ext cx="7015163" cy="1443038"/>
+          </a:xfrm>
+          <a:prstGeom prst="rect">
+            <a:avLst/>
+          </a:prstGeom>
+          <a:ln>
+            <a:solidFill>
+              <a:schemeClr val="accent1"/>
+            </a:solidFill>
+          </a:ln>
+        </p:spPr>
+      </p:pic>
+      <p:sp>
+        <p:nvSpPr>
+          <p:cNvPr id="3" name="TextBox 2"/>
+          <p:cNvSpPr txBox="1"/>
+          <p:nvPr/>
+        </p:nvSpPr>
+        <p:spPr>
+          <a:xfrm>
+            <a:off x="1572948" y="3276600"/>
+            <a:ext cx="6441282" cy="1938992"/>
+          </a:xfrm>
+          <a:prstGeom prst="rect">
+            <a:avLst/>
+          </a:prstGeom>
+          <a:noFill/>
+        </p:spPr>
+        <p:txBody>
+          <a:bodyPr wrap="square" rtlCol="0">
+            <a:spAutoFit/>
+          </a:bodyPr>
+          <a:lstStyle/>
+          <a:p>
+            <a:r>
+              <a:rPr lang="en-US" sz="2400" dirty="0" smtClean="0">
+                <a:latin typeface="Trebuchet MS" panose="020B0603020202020204" pitchFamily="34" charset="0"/>
+              </a:rPr>
+              <a:t>Files: </a:t>
+            </a:r>
+            <a:r>
+              <a:rPr lang="en-US" sz="2400" dirty="0" err="1" smtClean="0">
+                <a:latin typeface="Trebuchet MS" panose="020B0603020202020204" pitchFamily="34" charset="0"/>
+              </a:rPr>
+              <a:t>jn</a:t>
+            </a:r>
+            <a:r>
+              <a:rPr lang="en-US" sz="2400" dirty="0" smtClean="0">
+                <a:latin typeface="Trebuchet MS" panose="020B0603020202020204" pitchFamily="34" charset="0"/>
+              </a:rPr>
+              <a:t>\</a:t>
+            </a:r>
+          </a:p>
+          <a:p>
+            <a:pPr marL="285750" indent="-285750">
+              <a:buFont typeface="Arial" panose="020B0604020202020204" pitchFamily="34" charset="0"/>
+              <a:buChar char="•"/>
+            </a:pPr>
+            <a:endParaRPr lang="en-US" sz="2400" dirty="0">
+              <a:latin typeface="Trebuchet MS" panose="020B0603020202020204" pitchFamily="34" charset="0"/>
+            </a:endParaRPr>
+          </a:p>
+          <a:p>
+            <a:pPr marL="285750" indent="-285750">
+              <a:buFont typeface="Arial" panose="020B0604020202020204" pitchFamily="34" charset="0"/>
+              <a:buChar char="•"/>
+            </a:pPr>
+            <a:r>
+              <a:rPr lang="en-US" sz="2400" dirty="0" smtClean="0">
+                <a:latin typeface="Trebuchet MS" panose="020B0603020202020204" pitchFamily="34" charset="0"/>
+              </a:rPr>
+              <a:t>data\*.</a:t>
+            </a:r>
+            <a:r>
+              <a:rPr lang="en-US" sz="2400" dirty="0" err="1" smtClean="0">
+                <a:latin typeface="Trebuchet MS" panose="020B0603020202020204" pitchFamily="34" charset="0"/>
+              </a:rPr>
+              <a:t>csv</a:t>
+            </a:r>
+            <a:endParaRPr lang="en-US" sz="2400" dirty="0" smtClean="0">
+              <a:latin typeface="Trebuchet MS" panose="020B0603020202020204" pitchFamily="34" charset="0"/>
+            </a:endParaRPr>
+          </a:p>
+          <a:p>
+            <a:pPr marL="285750" indent="-285750">
+              <a:buFont typeface="Arial" panose="020B0604020202020204" pitchFamily="34" charset="0"/>
+              <a:buChar char="•"/>
+            </a:pPr>
+            <a:r>
+              <a:rPr lang="en-US" sz="2400" dirty="0" smtClean="0">
+                <a:latin typeface="Trebuchet MS" panose="020B0603020202020204" pitchFamily="34" charset="0"/>
+              </a:rPr>
+              <a:t>part1</a:t>
+            </a:r>
+            <a:r>
+              <a:rPr lang="ru-RU" sz="2400" dirty="0" smtClean="0">
+                <a:latin typeface="Trebuchet MS" panose="020B0603020202020204" pitchFamily="34" charset="0"/>
+              </a:rPr>
+              <a:t>_</a:t>
+            </a:r>
+            <a:r>
+              <a:rPr lang="en-US" sz="2400" dirty="0" err="1" smtClean="0">
+                <a:latin typeface="Trebuchet MS" panose="020B0603020202020204" pitchFamily="34" charset="0"/>
+              </a:rPr>
+              <a:t>numpy.jpynb</a:t>
+            </a:r>
+            <a:r>
+              <a:rPr lang="en-US" sz="2400" dirty="0" smtClean="0">
+                <a:latin typeface="Trebuchet MS" panose="020B0603020202020204" pitchFamily="34" charset="0"/>
+              </a:rPr>
+              <a:t>, part2_pandas.jpynb</a:t>
+            </a:r>
+          </a:p>
+          <a:p>
+            <a:pPr marL="285750" indent="-285750">
+              <a:buFont typeface="Arial" panose="020B0604020202020204" pitchFamily="34" charset="0"/>
+              <a:buChar char="•"/>
+            </a:pPr>
+            <a:r>
+              <a:rPr lang="en-US" sz="2400" dirty="0" smtClean="0">
+                <a:latin typeface="Trebuchet MS" panose="020B0603020202020204" pitchFamily="34" charset="0"/>
+              </a:rPr>
+              <a:t>Exercises-1.ipynb</a:t>
+            </a:r>
+            <a:r>
+              <a:rPr lang="en-US" sz="2400" smtClean="0">
+                <a:latin typeface="Trebuchet MS" panose="020B0603020202020204" pitchFamily="34" charset="0"/>
+              </a:rPr>
+              <a:t>,…, Exercises-5.ipynb</a:t>
+            </a:r>
+            <a:endParaRPr lang="en-US" sz="2400" dirty="0" smtClean="0">
+              <a:latin typeface="Trebuchet MS" panose="020B0603020202020204" pitchFamily="34" charset="0"/>
+            </a:endParaRPr>
+          </a:p>
+        </p:txBody>
+      </p:sp>
+    </p:spTree>
+    <p:extLst>
+      <p:ext uri="{BB962C8B-B14F-4D97-AF65-F5344CB8AC3E}">
+        <p14:creationId xmlns:p14="http://schemas.microsoft.com/office/powerpoint/2010/main" val="592942866"/>
+      </p:ext>
+    </p:extLst>
+  </p:cSld>
+  <p:clrMapOvr>
+    <a:masterClrMapping/>
+  </p:clrMapOvr>
+  <p:timing>
+    <p:tnLst>
+      <p:par>
+        <p:cTn id="1" dur="indefinite" restart="never" nodeType="tmRoot"/>
+      </p:par>
+    </p:tnLst>
+  </p:timing>
+</p:sld>
+</file>
+
+<file path=ppt/slides/slide11.xml><?xml version="1.0" encoding="utf-8"?>
+<p:sld xmlns:a="http://schemas.openxmlformats.org/drawingml/2006/main" xmlns:r="http://schemas.openxmlformats.org/officeDocument/2006/relationships" xmlns:p="http://schemas.openxmlformats.org/presentationml/2006/main">
+  <p:cSld>
+    <p:spTree>
+      <p:nvGrpSpPr>
+        <p:cNvPr id="1" name=""/>
+        <p:cNvGrpSpPr/>
+        <p:nvPr/>
+      </p:nvGrpSpPr>
+      <p:grpSpPr>
+        <a:xfrm>
+          <a:off x="0" y="0"/>
+          <a:ext cx="0" cy="0"/>
+          <a:chOff x="0" y="0"/>
+          <a:chExt cx="0" cy="0"/>
+        </a:xfrm>
+      </p:grpSpPr>
+      <p:sp>
+        <p:nvSpPr>
+          <p:cNvPr id="2" name="Заголовок 1"/>
+          <p:cNvSpPr>
+            <a:spLocks noGrp="1"/>
+          </p:cNvSpPr>
+          <p:nvPr>
             <p:ph type="ctrTitle"/>
           </p:nvPr>
         </p:nvSpPr>
@@ -4622,9 +4868,18 @@
           <a:bodyPr/>
           <a:lstStyle/>
           <a:p>
+            <a:pPr algn="l"/>
             <a:r>
               <a:rPr lang="en-US" b="1" dirty="0"/>
-              <a:t>ML-course.   1. </a:t>
+              <a:t>TENSOR.BY	</a:t>
+            </a:r>
+            <a:r>
+              <a:rPr lang="en-US" b="1" dirty="0" smtClean="0"/>
+              <a:t>			ML-course</a:t>
+            </a:r>
+            <a:r>
+              <a:rPr lang="en-US" b="1" dirty="0"/>
+              <a:t>.   1. </a:t>
             </a:r>
             <a:r>
               <a:rPr lang="en-US" dirty="0"/>
@@ -4657,7 +4912,7 @@
             <a:fld id="{B491C8E4-965C-47C5-86B5-2FEC2000E3F4}" type="slidenum">
               <a:rPr lang="ru-RU" smtClean="0"/>
               <a:pPr/>
-              <a:t>10</a:t>
+              <a:t>11</a:t>
             </a:fld>
             <a:endParaRPr lang="ru-RU" dirty="0"/>
           </a:p>
@@ -5034,24 +5289,27 @@
             <p:ph type="ftr" sz="quarter" idx="11"/>
           </p:nvPr>
         </p:nvSpPr>
-        <p:spPr/>
+        <p:spPr>
+          <a:xfrm>
+            <a:off x="228600" y="6629400"/>
+            <a:ext cx="7315200" cy="228601"/>
+          </a:xfrm>
+        </p:spPr>
         <p:txBody>
           <a:bodyPr/>
           <a:lstStyle/>
           <a:p>
             <a:r>
-              <a:rPr lang="en-US" b="1" dirty="0" smtClean="0"/>
-              <a:t>ML-course</a:t>
-            </a:r>
-            <a:r>
-              <a:rPr lang="ru-RU" b="1" dirty="0"/>
+              <a:rPr lang="en-US" sz="1400" dirty="0" smtClean="0">
+                <a:latin typeface="Trebuchet MS" panose="020B0603020202020204" pitchFamily="34" charset="0"/>
+              </a:rPr>
+              <a:t>TENSOR.BY				ML-course</a:t>
+            </a:r>
+            <a:r>
+              <a:rPr lang="en-US" sz="1400" dirty="0" smtClean="0"/>
               <a:t>	</a:t>
             </a:r>
-            <a:r>
-              <a:rPr lang="ru-RU" b="1" dirty="0" smtClean="0"/>
-              <a:t>01-02.2018</a:t>
-            </a:r>
-            <a:endParaRPr lang="ru-RU" dirty="0"/>
+            <a:endParaRPr lang="ru-RU" sz="1400" dirty="0"/>
           </a:p>
         </p:txBody>
       </p:sp>
@@ -5112,6 +5370,13 @@
   <p:clrMapOvr>
     <a:masterClrMapping/>
   </p:clrMapOvr>
+  <p:timing>
+    <p:tnLst>
+      <p:par>
+        <p:cTn id="1" dur="indefinite" restart="never" nodeType="tmRoot"/>
+      </p:par>
+    </p:tnLst>
+  </p:timing>
 </p:sld>
 </file>
 
@@ -5212,38 +5477,7 @@
               <a:rPr lang="ru-RU" sz="1800" i="1" dirty="0"/>
               <a:t> </a:t>
             </a:r>
-            <a:r>
-              <a:rPr lang="ru-RU" sz="1800" i="1" dirty="0">
-                <a:hlinkClick r:id="rId2"/>
-              </a:rPr>
-              <a:t>https://www.kaggle.com/datasets</a:t>
-            </a:r>
-            <a:endParaRPr lang="ru-RU" sz="1800" i="1" dirty="0"/>
-          </a:p>
-          <a:p>
-            <a:pPr marL="0" indent="0" algn="just">
-              <a:spcBef>
-                <a:spcPts val="0"/>
-              </a:spcBef>
-              <a:buNone/>
-            </a:pPr>
-            <a:endParaRPr lang="ru-RU" sz="1800" b="1" i="1" dirty="0" smtClean="0"/>
-          </a:p>
-          <a:p>
-            <a:pPr marL="0" indent="0" algn="just">
-              <a:spcBef>
-                <a:spcPts val="0"/>
-              </a:spcBef>
-              <a:buNone/>
-            </a:pPr>
-            <a:r>
-              <a:rPr lang="ru-RU" sz="1800" b="1" i="1" dirty="0" smtClean="0"/>
-              <a:t>Примеры</a:t>
-            </a:r>
-            <a:r>
-              <a:rPr lang="ru-RU" sz="1800" i="1" dirty="0" smtClean="0"/>
-              <a:t>:</a:t>
-            </a:r>
+            <a:endParaRPr lang="en-US" sz="1800" i="1" dirty="0" smtClean="0"/>
           </a:p>
           <a:p>
             <a:pPr algn="just">
@@ -5253,23 +5487,23 @@
             </a:pPr>
             <a:r>
               <a:rPr lang="ru-RU" sz="1800" i="1" dirty="0" smtClean="0">
-                <a:hlinkClick r:id="rId3"/>
+                <a:hlinkClick r:id="rId2"/>
               </a:rPr>
               <a:t>https</a:t>
             </a:r>
             <a:r>
               <a:rPr lang="ru-RU" sz="1800" i="1" dirty="0">
-                <a:hlinkClick r:id="rId3"/>
+                <a:hlinkClick r:id="rId2"/>
               </a:rPr>
               <a:t>://</a:t>
             </a:r>
             <a:r>
               <a:rPr lang="ru-RU" sz="1800" i="1" dirty="0" smtClean="0">
-                <a:hlinkClick r:id="rId3"/>
+                <a:hlinkClick r:id="rId2"/>
               </a:rPr>
-              <a:t>www.kaggle.com/zynicide/wine-reviews</a:t>
-            </a:r>
-            <a:endParaRPr lang="ru-RU" sz="1800" i="1" dirty="0" smtClean="0"/>
+              <a:t>www.kaggle.com/datasets</a:t>
+            </a:r>
+            <a:endParaRPr lang="en-US" sz="1800" i="1" dirty="0" smtClean="0"/>
           </a:p>
           <a:p>
             <a:pPr algn="just">
@@ -5278,24 +5512,66 @@
               </a:spcBef>
             </a:pPr>
             <a:r>
-              <a:rPr lang="ru-RU" sz="1800" i="1" dirty="0" smtClean="0">
-                <a:hlinkClick r:id="rId4"/>
+              <a:rPr lang="en-US" sz="1800" i="1" dirty="0" smtClean="0"/>
+              <a:t>Google Dataset Search </a:t>
+            </a:r>
+            <a:r>
+              <a:rPr lang="en-US" sz="1800" i="1" dirty="0" smtClean="0">
+                <a:hlinkClick r:id="rId3"/>
               </a:rPr>
               <a:t>https</a:t>
             </a:r>
             <a:r>
-              <a:rPr lang="ru-RU" sz="1800" i="1" dirty="0">
-                <a:hlinkClick r:id="rId4"/>
+              <a:rPr lang="en-US" sz="1800" i="1" dirty="0">
+                <a:hlinkClick r:id="rId3"/>
               </a:rPr>
               <a:t>://</a:t>
             </a:r>
             <a:r>
-              <a:rPr lang="ru-RU" sz="1800" i="1" dirty="0" smtClean="0">
-                <a:hlinkClick r:id="rId4"/>
+              <a:rPr lang="en-US" sz="1800" i="1" dirty="0" smtClean="0">
+                <a:hlinkClick r:id="rId3"/>
               </a:rPr>
-              <a:t>www.kaggle.com/secareanualin/football-events</a:t>
-            </a:r>
-            <a:endParaRPr lang="ru-RU" sz="1800" i="1" dirty="0" smtClean="0"/>
+              <a:t>toolbox.google.com/datasetsearch</a:t>
+            </a:r>
+            <a:r>
+              <a:rPr lang="en-US" sz="1800" i="1" dirty="0" smtClean="0"/>
+              <a:t> </a:t>
+            </a:r>
+            <a:endParaRPr lang="ru-RU" sz="1800" i="1" dirty="0"/>
+          </a:p>
+          <a:p>
+            <a:pPr marL="0" indent="0" algn="just">
+              <a:spcBef>
+                <a:spcPts val="0"/>
+              </a:spcBef>
+              <a:buNone/>
+            </a:pPr>
+            <a:endParaRPr lang="ru-RU" sz="1800" i="1" dirty="0"/>
+          </a:p>
+          <a:p>
+            <a:pPr marL="0" indent="0" algn="just">
+              <a:spcBef>
+                <a:spcPts val="0"/>
+              </a:spcBef>
+              <a:buNone/>
+            </a:pPr>
+            <a:endParaRPr lang="ru-RU" sz="1800" b="1" i="1" dirty="0" smtClean="0"/>
+          </a:p>
+          <a:p>
+            <a:pPr marL="0" indent="0" algn="just">
+              <a:spcBef>
+                <a:spcPts val="0"/>
+              </a:spcBef>
+              <a:buNone/>
+            </a:pPr>
+            <a:r>
+              <a:rPr lang="ru-RU" sz="1800" b="1" i="1" dirty="0" smtClean="0"/>
+              <a:t>Примеры</a:t>
+            </a:r>
+            <a:r>
+              <a:rPr lang="ru-RU" sz="1800" i="1" dirty="0" smtClean="0"/>
+              <a:t>:</a:t>
+            </a:r>
           </a:p>
           <a:p>
             <a:pPr algn="just">
@@ -5305,21 +5581,21 @@
             </a:pPr>
             <a:r>
               <a:rPr lang="ru-RU" sz="1800" i="1" dirty="0" smtClean="0">
-                <a:hlinkClick r:id="rId5"/>
+                <a:hlinkClick r:id="rId4"/>
               </a:rPr>
               <a:t>https</a:t>
             </a:r>
             <a:r>
               <a:rPr lang="ru-RU" sz="1800" i="1" dirty="0">
-                <a:hlinkClick r:id="rId5"/>
+                <a:hlinkClick r:id="rId4"/>
               </a:rPr>
               <a:t>://</a:t>
             </a:r>
             <a:r>
               <a:rPr lang="ru-RU" sz="1800" i="1" dirty="0" smtClean="0">
-                <a:hlinkClick r:id="rId5"/>
+                <a:hlinkClick r:id="rId4"/>
               </a:rPr>
-              <a:t>www.kaggle.com/wosaku/crime-in-vancouver/kernels</a:t>
+              <a:t>www.kaggle.com/zynicide/wine-reviews</a:t>
             </a:r>
             <a:endParaRPr lang="ru-RU" sz="1800" i="1" dirty="0" smtClean="0"/>
           </a:p>
@@ -5331,52 +5607,23 @@
             </a:pPr>
             <a:r>
               <a:rPr lang="ru-RU" sz="1800" i="1" dirty="0" smtClean="0">
-                <a:hlinkClick r:id="rId6"/>
+                <a:hlinkClick r:id="rId5"/>
               </a:rPr>
               <a:t>https</a:t>
             </a:r>
             <a:r>
               <a:rPr lang="ru-RU" sz="1800" i="1" dirty="0">
-                <a:hlinkClick r:id="rId6"/>
+                <a:hlinkClick r:id="rId5"/>
               </a:rPr>
               <a:t>://</a:t>
             </a:r>
             <a:r>
               <a:rPr lang="ru-RU" sz="1800" i="1" dirty="0" smtClean="0">
-                <a:hlinkClick r:id="rId6"/>
+                <a:hlinkClick r:id="rId5"/>
               </a:rPr>
-              <a:t>www.kaggle.com/rounakbanik/the-movies-dataset</a:t>
+              <a:t>www.kaggle.com/secareanualin/football-events</a:t>
             </a:r>
             <a:endParaRPr lang="ru-RU" sz="1800" i="1" dirty="0" smtClean="0"/>
-          </a:p>
-          <a:p>
-            <a:pPr marL="0" indent="0" algn="just">
-              <a:spcBef>
-                <a:spcPts val="0"/>
-              </a:spcBef>
-              <a:buNone/>
-            </a:pPr>
-            <a:endParaRPr lang="ru-RU" sz="1800" i="1" dirty="0"/>
-          </a:p>
-          <a:p>
-            <a:pPr marL="0" indent="0" algn="just">
-              <a:spcBef>
-                <a:spcPts val="0"/>
-              </a:spcBef>
-              <a:buNone/>
-            </a:pPr>
-            <a:r>
-              <a:rPr lang="ru-RU" sz="1800" b="1" i="1" dirty="0" smtClean="0"/>
-              <a:t>Примерные требования к </a:t>
-            </a:r>
-            <a:r>
-              <a:rPr lang="ru-RU" sz="1800" b="1" i="1" dirty="0" err="1" smtClean="0"/>
-              <a:t>датасету</a:t>
-            </a:r>
-            <a:r>
-              <a:rPr lang="ru-RU" sz="1800" b="1" i="1" dirty="0" smtClean="0"/>
-              <a:t>:</a:t>
-            </a:r>
           </a:p>
           <a:p>
             <a:pPr algn="just">
@@ -5385,17 +5632,24 @@
               </a:spcBef>
             </a:pPr>
             <a:r>
-              <a:rPr lang="ru-RU" sz="1800" i="1" dirty="0" smtClean="0"/>
-              <a:t>подходят </a:t>
-            </a:r>
-            <a:r>
-              <a:rPr lang="ru-RU" sz="1800" i="1" dirty="0"/>
-              <a:t>для </a:t>
-            </a:r>
-            <a:r>
-              <a:rPr lang="ru-RU" sz="1800" i="1" dirty="0" smtClean="0"/>
-              <a:t>задачи обучения с учителем,</a:t>
-            </a:r>
+              <a:rPr lang="ru-RU" sz="1800" i="1" dirty="0" smtClean="0">
+                <a:hlinkClick r:id="rId6"/>
+              </a:rPr>
+              <a:t>https</a:t>
+            </a:r>
+            <a:r>
+              <a:rPr lang="ru-RU" sz="1800" i="1" dirty="0">
+                <a:hlinkClick r:id="rId6"/>
+              </a:rPr>
+              <a:t>://</a:t>
+            </a:r>
+            <a:r>
+              <a:rPr lang="ru-RU" sz="1800" i="1" dirty="0" smtClean="0">
+                <a:hlinkClick r:id="rId6"/>
+              </a:rPr>
+              <a:t>www.kaggle.com/wosaku/crime-in-vancouver/kernels</a:t>
+            </a:r>
+            <a:endParaRPr lang="ru-RU" sz="1800" i="1" dirty="0" smtClean="0"/>
           </a:p>
           <a:p>
             <a:pPr algn="just">
@@ -5404,16 +5658,52 @@
               </a:spcBef>
             </a:pPr>
             <a:r>
-              <a:rPr lang="ru-RU" sz="1800" i="1" dirty="0" smtClean="0"/>
-              <a:t>есть </a:t>
-            </a:r>
-            <a:r>
-              <a:rPr lang="ru-RU" sz="1800" i="1" dirty="0"/>
-              <a:t>текстовые </a:t>
-            </a:r>
-            <a:r>
-              <a:rPr lang="ru-RU" sz="1800" i="1" dirty="0" smtClean="0"/>
-              <a:t>данные, </a:t>
+              <a:rPr lang="ru-RU" sz="1800" i="1" dirty="0" smtClean="0">
+                <a:hlinkClick r:id="rId7"/>
+              </a:rPr>
+              <a:t>https</a:t>
+            </a:r>
+            <a:r>
+              <a:rPr lang="ru-RU" sz="1800" i="1" dirty="0">
+                <a:hlinkClick r:id="rId7"/>
+              </a:rPr>
+              <a:t>://</a:t>
+            </a:r>
+            <a:r>
+              <a:rPr lang="ru-RU" sz="1800" i="1" dirty="0" smtClean="0">
+                <a:hlinkClick r:id="rId7"/>
+              </a:rPr>
+              <a:t>www.kaggle.com/rounakbanik/the-movies-dataset</a:t>
+            </a:r>
+            <a:endParaRPr lang="ru-RU" sz="1800" i="1" dirty="0" smtClean="0"/>
+          </a:p>
+          <a:p>
+            <a:pPr marL="0" indent="0" algn="just">
+              <a:spcBef>
+                <a:spcPts val="0"/>
+              </a:spcBef>
+              <a:buNone/>
+            </a:pPr>
+            <a:endParaRPr lang="ru-RU" sz="1800" i="1" dirty="0"/>
+          </a:p>
+          <a:p>
+            <a:pPr marL="0" indent="0" algn="just">
+              <a:spcBef>
+                <a:spcPts val="0"/>
+              </a:spcBef>
+              <a:buNone/>
+            </a:pPr>
+            <a:r>
+              <a:rPr lang="ru-RU" sz="1800" b="1" i="1" dirty="0" smtClean="0"/>
+              <a:t>Примерные требования к </a:t>
+            </a:r>
+            <a:r>
+              <a:rPr lang="ru-RU" sz="1800" b="1" i="1" dirty="0" err="1" smtClean="0"/>
+              <a:t>датасету</a:t>
+            </a:r>
+            <a:r>
+              <a:rPr lang="ru-RU" sz="1800" b="1" i="1" dirty="0" smtClean="0"/>
+              <a:t>:</a:t>
             </a:r>
           </a:p>
           <a:p>
@@ -5424,6 +5714,44 @@
             </a:pPr>
             <a:r>
               <a:rPr lang="ru-RU" sz="1800" i="1" dirty="0" smtClean="0"/>
+              <a:t>подходят </a:t>
+            </a:r>
+            <a:r>
+              <a:rPr lang="ru-RU" sz="1800" i="1" dirty="0"/>
+              <a:t>для </a:t>
+            </a:r>
+            <a:r>
+              <a:rPr lang="ru-RU" sz="1800" i="1" dirty="0" smtClean="0"/>
+              <a:t>задачи обучения с учителем,</a:t>
+            </a:r>
+          </a:p>
+          <a:p>
+            <a:pPr algn="just">
+              <a:spcBef>
+                <a:spcPts val="0"/>
+              </a:spcBef>
+            </a:pPr>
+            <a:r>
+              <a:rPr lang="ru-RU" sz="1800" i="1" dirty="0" smtClean="0"/>
+              <a:t>есть </a:t>
+            </a:r>
+            <a:r>
+              <a:rPr lang="ru-RU" sz="1800" i="1" dirty="0"/>
+              <a:t>текстовые </a:t>
+            </a:r>
+            <a:r>
+              <a:rPr lang="ru-RU" sz="1800" i="1" dirty="0" smtClean="0"/>
+              <a:t>данные, </a:t>
+            </a:r>
+          </a:p>
+          <a:p>
+            <a:pPr algn="just">
+              <a:spcBef>
+                <a:spcPts val="0"/>
+              </a:spcBef>
+            </a:pPr>
+            <a:r>
+              <a:rPr lang="ru-RU" sz="1800" i="1" dirty="0" smtClean="0"/>
               <a:t>большой </a:t>
             </a:r>
             <a:r>
@@ -5434,13 +5762,21 @@
               <a:rPr lang="ru-RU" sz="1800" i="1" dirty="0" smtClean="0"/>
               <a:t>огромный</a:t>
             </a:r>
-            <a:endParaRPr lang="ru-RU" sz="1800" i="1" dirty="0"/>
-          </a:p>
-        </p:txBody>
-      </p:sp>
-      <p:sp>
-        <p:nvSpPr>
-          <p:cNvPr id="5" name="Нижний колонтитул 4"/>
+            <a:endParaRPr lang="en-US" sz="1800" i="1" dirty="0" smtClean="0"/>
+          </a:p>
+          <a:p>
+            <a:pPr algn="just">
+              <a:spcBef>
+                <a:spcPts val="0"/>
+              </a:spcBef>
+            </a:pPr>
+            <a:endParaRPr lang="en-US" sz="1800" i="1" dirty="0"/>
+          </a:p>
+        </p:txBody>
+      </p:sp>
+      <p:sp>
+        <p:nvSpPr>
+          <p:cNvPr id="8" name="Нижний колонтитул 4"/>
           <p:cNvSpPr>
             <a:spLocks noGrp="1"/>
           </p:cNvSpPr>
@@ -5448,24 +5784,27 @@
             <p:ph type="ftr" sz="quarter" idx="11"/>
           </p:nvPr>
         </p:nvSpPr>
-        <p:spPr/>
+        <p:spPr>
+          <a:xfrm>
+            <a:off x="228600" y="6629400"/>
+            <a:ext cx="7315200" cy="228601"/>
+          </a:xfrm>
+        </p:spPr>
         <p:txBody>
           <a:bodyPr/>
           <a:lstStyle/>
           <a:p>
             <a:r>
-              <a:rPr lang="en-US" b="1" dirty="0" smtClean="0"/>
-              <a:t>ML-course</a:t>
-            </a:r>
-            <a:r>
-              <a:rPr lang="ru-RU" b="1" dirty="0"/>
+              <a:rPr lang="en-US" sz="1400" dirty="0" smtClean="0">
+                <a:latin typeface="Trebuchet MS" panose="020B0603020202020204" pitchFamily="34" charset="0"/>
+              </a:rPr>
+              <a:t>TENSOR.BY				ML-course</a:t>
+            </a:r>
+            <a:r>
+              <a:rPr lang="en-US" sz="1400" dirty="0" smtClean="0"/>
               <a:t>	</a:t>
             </a:r>
-            <a:r>
-              <a:rPr lang="ru-RU" b="1" dirty="0" smtClean="0"/>
-              <a:t>01-02.2018</a:t>
-            </a:r>
-            <a:endParaRPr lang="ru-RU" dirty="0"/>
+            <a:endParaRPr lang="ru-RU" sz="1400" dirty="0"/>
           </a:p>
         </p:txBody>
       </p:sp>
@@ -5479,6 +5818,13 @@
   <p:clrMapOvr>
     <a:masterClrMapping/>
   </p:clrMapOvr>
+  <p:timing>
+    <p:tnLst>
+      <p:par>
+        <p:cTn id="1" dur="indefinite" restart="never" nodeType="tmRoot"/>
+      </p:par>
+    </p:tnLst>
+  </p:timing>
 </p:sld>
 </file>
 
@@ -5501,134 +5847,170 @@
       </p:grpSpPr>
       <p:sp>
         <p:nvSpPr>
-          <p:cNvPr id="2" name="Заголовок 1"/>
-          <p:cNvSpPr>
-            <a:spLocks noGrp="1"/>
-          </p:cNvSpPr>
-          <p:nvPr>
-            <p:ph type="ctrTitle"/>
+          <p:cNvPr id="3" name="Объект 2"/>
+          <p:cNvSpPr>
+            <a:spLocks noGrp="1"/>
+          </p:cNvSpPr>
+          <p:nvPr>
+            <p:ph idx="1"/>
           </p:nvPr>
         </p:nvSpPr>
         <p:spPr/>
-        <p:txBody>
-          <a:bodyPr>
-            <a:normAutofit fontScale="90000"/>
-          </a:bodyPr>
-          <a:lstStyle/>
-          <a:p>
-            <a:r>
-              <a:rPr lang="en-US" sz="3600" b="1" dirty="0" smtClean="0"/>
-              <a:t>TENSOR.BY</a:t>
-            </a:r>
-            <a:br>
-              <a:rPr lang="en-US" sz="3600" b="1" dirty="0" smtClean="0"/>
-            </a:br>
-            <a:r>
-              <a:rPr lang="en-US" sz="3600" b="1" dirty="0"/>
-              <a:t/>
-            </a:r>
-            <a:br>
-              <a:rPr lang="en-US" sz="3600" b="1" dirty="0"/>
-            </a:br>
-            <a:r>
-              <a:rPr lang="en-US" sz="3600" b="1" dirty="0" smtClean="0"/>
-              <a:t>ML-course</a:t>
-            </a:r>
-            <a:r>
-              <a:rPr lang="en-US" sz="3200" b="1" dirty="0" smtClean="0"/>
-              <a:t/>
-            </a:r>
-            <a:br>
-              <a:rPr lang="en-US" sz="3200" b="1" dirty="0" smtClean="0"/>
-            </a:br>
-            <a:r>
-              <a:rPr lang="en-US" sz="3100" dirty="0" smtClean="0"/>
-              <a:t/>
-            </a:r>
-            <a:br>
-              <a:rPr lang="en-US" sz="3100" dirty="0" smtClean="0"/>
-            </a:br>
-            <a:r>
-              <a:rPr lang="ru-RU" sz="3600" dirty="0" smtClean="0"/>
-              <a:t>1. </a:t>
-            </a:r>
-            <a:r>
-              <a:rPr lang="en-US" sz="3600" dirty="0"/>
-              <a:t>Preparing data for modeling in Python using </a:t>
-            </a:r>
-            <a:r>
-              <a:rPr lang="en-US" sz="3600" dirty="0" err="1" smtClean="0"/>
-              <a:t>Numpy</a:t>
-            </a:r>
-            <a:r>
-              <a:rPr lang="en-US" sz="3600" dirty="0" smtClean="0"/>
-              <a:t> </a:t>
-            </a:r>
-            <a:r>
-              <a:rPr lang="en-US" sz="3600" dirty="0"/>
-              <a:t>and Pandas packages</a:t>
-            </a:r>
-            <a:endParaRPr lang="ru-RU" sz="3600" b="1" dirty="0"/>
-          </a:p>
-        </p:txBody>
-      </p:sp>
-      <p:sp>
-        <p:nvSpPr>
-          <p:cNvPr id="3" name="Подзаголовок 2"/>
-          <p:cNvSpPr>
-            <a:spLocks noGrp="1"/>
-          </p:cNvSpPr>
-          <p:nvPr>
-            <p:ph type="subTitle" idx="1"/>
-          </p:nvPr>
-        </p:nvSpPr>
-        <p:spPr>
-          <a:xfrm>
-            <a:off x="1371600" y="4419600"/>
-            <a:ext cx="6400800" cy="1219200"/>
-          </a:xfrm>
-        </p:spPr>
         <p:txBody>
           <a:bodyPr>
             <a:normAutofit/>
           </a:bodyPr>
           <a:lstStyle/>
           <a:p>
-            <a:r>
-              <a:rPr lang="en-US" sz="2400" dirty="0" smtClean="0"/>
-              <a:t>Kate </a:t>
-            </a:r>
-            <a:r>
-              <a:rPr lang="en-US" sz="2400" dirty="0" err="1" smtClean="0"/>
-              <a:t>Miniukovich</a:t>
-            </a:r>
-            <a:r>
-              <a:rPr lang="en-US" sz="2400" dirty="0" smtClean="0"/>
-              <a:t> (Data Scientist),</a:t>
-            </a:r>
-          </a:p>
-          <a:p>
-            <a:r>
-              <a:rPr lang="en-US" sz="2400" dirty="0" smtClean="0">
-                <a:solidFill>
-                  <a:schemeClr val="bg1">
-                    <a:lumMod val="50000"/>
-                  </a:schemeClr>
-                </a:solidFill>
-              </a:rPr>
-              <a:t>miniukovich@rocketscience.ai</a:t>
-            </a:r>
-          </a:p>
-        </p:txBody>
-      </p:sp>
-      <p:sp>
-        <p:nvSpPr>
-          <p:cNvPr id="4" name="Нижний колонтитул 3"/>
-          <p:cNvSpPr>
-            <a:spLocks noGrp="1"/>
-          </p:cNvSpPr>
-          <p:nvPr>
-            <p:ph type="ftr" sz="quarter" idx="11"/>
+            <a:pPr marL="0" indent="0">
+              <a:buNone/>
+            </a:pPr>
+            <a:r>
+              <a:rPr lang="ru-RU" sz="2800" dirty="0"/>
+              <a:t>Примерный план презентации проекта</a:t>
+            </a:r>
+            <a:r>
+              <a:rPr lang="ru-RU" sz="2800" dirty="0" smtClean="0"/>
+              <a:t>:</a:t>
+            </a:r>
+          </a:p>
+          <a:p>
+            <a:pPr marL="0" indent="0">
+              <a:buNone/>
+            </a:pPr>
+            <a:endParaRPr lang="ru-RU" sz="2800" dirty="0" smtClean="0"/>
+          </a:p>
+          <a:p>
+            <a:pPr marL="514350" indent="-514350">
+              <a:buFont typeface="+mj-lt"/>
+              <a:buAutoNum type="arabicParenR"/>
+            </a:pPr>
+            <a:r>
+              <a:rPr lang="ru-RU" sz="2800" dirty="0" smtClean="0"/>
+              <a:t>постановка </a:t>
+            </a:r>
+            <a:r>
+              <a:rPr lang="ru-RU" sz="2800" dirty="0"/>
+              <a:t>задачи;</a:t>
+            </a:r>
+          </a:p>
+          <a:p>
+            <a:pPr marL="514350" indent="-514350">
+              <a:buFont typeface="+mj-lt"/>
+              <a:buAutoNum type="arabicParenR"/>
+            </a:pPr>
+            <a:r>
+              <a:rPr lang="ru-RU" sz="2800" dirty="0" smtClean="0"/>
+              <a:t>подготовка </a:t>
+            </a:r>
+            <a:r>
+              <a:rPr lang="ru-RU" sz="2800" dirty="0"/>
+              <a:t>данных, создание переменных;</a:t>
+            </a:r>
+          </a:p>
+          <a:p>
+            <a:pPr marL="514350" indent="-514350">
+              <a:buFont typeface="+mj-lt"/>
+              <a:buAutoNum type="arabicParenR"/>
+            </a:pPr>
+            <a:r>
+              <a:rPr lang="ru-RU" sz="2800" dirty="0" smtClean="0"/>
+              <a:t>моделирование </a:t>
+            </a:r>
+            <a:r>
+              <a:rPr lang="ru-RU" sz="2800" dirty="0"/>
+              <a:t>(модели, </a:t>
+            </a:r>
+            <a:r>
+              <a:rPr lang="ru-RU" sz="2800" dirty="0" err="1"/>
+              <a:t>гридсерч</a:t>
+            </a:r>
+            <a:r>
+              <a:rPr lang="ru-RU" sz="2800" dirty="0"/>
+              <a:t> </a:t>
+            </a:r>
+            <a:r>
+              <a:rPr lang="ru-RU" sz="2800" dirty="0" err="1"/>
+              <a:t>гиперпараметров</a:t>
+            </a:r>
+            <a:r>
+              <a:rPr lang="ru-RU" sz="2800" dirty="0"/>
+              <a:t>, </a:t>
+            </a:r>
+            <a:r>
+              <a:rPr lang="ru-RU" sz="2800" dirty="0" err="1" smtClean="0"/>
+              <a:t>валидация</a:t>
+            </a:r>
+            <a:r>
+              <a:rPr lang="ru-RU" sz="2800" dirty="0" smtClean="0"/>
+              <a:t>);</a:t>
+            </a:r>
+            <a:endParaRPr lang="ru-RU" sz="2800" dirty="0"/>
+          </a:p>
+          <a:p>
+            <a:pPr marL="514350" indent="-514350">
+              <a:buFont typeface="+mj-lt"/>
+              <a:buAutoNum type="arabicParenR"/>
+            </a:pPr>
+            <a:r>
+              <a:rPr lang="ru-RU" sz="2800" dirty="0" smtClean="0"/>
+              <a:t>сравнение </a:t>
+            </a:r>
+            <a:r>
+              <a:rPr lang="ru-RU" sz="2800" dirty="0"/>
+              <a:t>рез-</a:t>
+            </a:r>
+            <a:r>
+              <a:rPr lang="ru-RU" sz="2800" dirty="0" err="1"/>
+              <a:t>тов</a:t>
+            </a:r>
+            <a:r>
+              <a:rPr lang="ru-RU" sz="2800" dirty="0"/>
+              <a:t> моделирования (</a:t>
+            </a:r>
+            <a:r>
+              <a:rPr lang="ru-RU" sz="2800" dirty="0" smtClean="0"/>
+              <a:t>метрик);</a:t>
+            </a:r>
+          </a:p>
+          <a:p>
+            <a:pPr marL="514350" indent="-514350">
+              <a:buFont typeface="+mj-lt"/>
+              <a:buAutoNum type="arabicParenR"/>
+            </a:pPr>
+            <a:r>
+              <a:rPr lang="ru-RU" sz="2800" dirty="0" smtClean="0"/>
+              <a:t>для </a:t>
+            </a:r>
+            <a:r>
+              <a:rPr lang="ru-RU" sz="2800" dirty="0"/>
+              <a:t>разных моделей, выбор лучшей модели;</a:t>
+            </a:r>
+          </a:p>
+          <a:p>
+            <a:pPr marL="514350" indent="-514350">
+              <a:buFont typeface="+mj-lt"/>
+              <a:buAutoNum type="arabicParenR"/>
+            </a:pPr>
+            <a:r>
+              <a:rPr lang="ru-RU" sz="2800" dirty="0" smtClean="0"/>
+              <a:t>применение </a:t>
+            </a:r>
+            <a:r>
+              <a:rPr lang="ru-RU" sz="2800" dirty="0"/>
+              <a:t>модели для прогнозирования.</a:t>
+            </a:r>
+          </a:p>
+        </p:txBody>
+      </p:sp>
+      <p:sp>
+        <p:nvSpPr>
+          <p:cNvPr id="4" name="Номер слайда 3"/>
+          <p:cNvSpPr>
+            <a:spLocks noGrp="1"/>
+          </p:cNvSpPr>
+          <p:nvPr>
+            <p:ph type="sldNum" sz="quarter" idx="12"/>
           </p:nvPr>
         </p:nvSpPr>
         <p:spPr/>
@@ -5636,17 +6018,74 @@
           <a:bodyPr/>
           <a:lstStyle/>
           <a:p>
-            <a:r>
-              <a:rPr lang="en-US" b="1" dirty="0" smtClean="0"/>
-              <a:t>ML-course. </a:t>
-            </a:r>
-            <a:r>
-              <a:rPr lang="en-US" b="1" dirty="0"/>
-              <a:t>1. </a:t>
-            </a:r>
-            <a:r>
-              <a:rPr lang="en-US" dirty="0"/>
-              <a:t>Preparing data for modeling in Python </a:t>
+            <a:fld id="{B491C8E4-965C-47C5-86B5-2FEC2000E3F4}" type="slidenum">
+              <a:rPr lang="ru-RU" smtClean="0"/>
+              <a:pPr/>
+              <a:t>4</a:t>
+            </a:fld>
+            <a:endParaRPr lang="ru-RU" dirty="0"/>
+          </a:p>
+        </p:txBody>
+      </p:sp>
+      <p:sp>
+        <p:nvSpPr>
+          <p:cNvPr id="6" name="Нижний колонтитул 4"/>
+          <p:cNvSpPr>
+            <a:spLocks noGrp="1"/>
+          </p:cNvSpPr>
+          <p:nvPr>
+            <p:ph type="ftr" sz="quarter" idx="11"/>
+          </p:nvPr>
+        </p:nvSpPr>
+        <p:spPr>
+          <a:xfrm>
+            <a:off x="228600" y="6629400"/>
+            <a:ext cx="7315200" cy="228601"/>
+          </a:xfrm>
+        </p:spPr>
+        <p:txBody>
+          <a:bodyPr/>
+          <a:lstStyle/>
+          <a:p>
+            <a:r>
+              <a:rPr lang="en-US" sz="1400" dirty="0" smtClean="0">
+                <a:latin typeface="Trebuchet MS" panose="020B0603020202020204" pitchFamily="34" charset="0"/>
+              </a:rPr>
+              <a:t>TENSOR.BY				ML-course</a:t>
+            </a:r>
+            <a:r>
+              <a:rPr lang="en-US" sz="1400" dirty="0" smtClean="0"/>
+              <a:t>	</a:t>
+            </a:r>
+            <a:endParaRPr lang="ru-RU" sz="1400" dirty="0"/>
+          </a:p>
+        </p:txBody>
+      </p:sp>
+      <p:sp>
+        <p:nvSpPr>
+          <p:cNvPr id="7" name="Заголовок 1"/>
+          <p:cNvSpPr>
+            <a:spLocks noGrp="1"/>
+          </p:cNvSpPr>
+          <p:nvPr>
+            <p:ph type="title"/>
+          </p:nvPr>
+        </p:nvSpPr>
+        <p:spPr>
+          <a:xfrm>
+            <a:off x="228600" y="206459"/>
+            <a:ext cx="8001000" cy="792162"/>
+          </a:xfrm>
+        </p:spPr>
+        <p:txBody>
+          <a:bodyPr>
+            <a:normAutofit/>
+          </a:bodyPr>
+          <a:lstStyle/>
+          <a:p>
+            <a:r>
+              <a:rPr lang="ru-RU" dirty="0" smtClean="0"/>
+              <a:t>Защита проектов</a:t>
             </a:r>
             <a:endParaRPr lang="ru-RU" dirty="0"/>
           </a:p>
@@ -5655,7 +6094,7 @@
     </p:spTree>
     <p:extLst>
       <p:ext uri="{BB962C8B-B14F-4D97-AF65-F5344CB8AC3E}">
-        <p14:creationId xmlns:p14="http://schemas.microsoft.com/office/powerpoint/2010/main" val="868260036"/>
+        <p14:creationId xmlns:p14="http://schemas.microsoft.com/office/powerpoint/2010/main" val="1142367752"/>
       </p:ext>
     </p:extLst>
   </p:cSld>
@@ -5696,6 +6135,196 @@
             <a:spLocks noGrp="1"/>
           </p:cNvSpPr>
           <p:nvPr>
+            <p:ph type="ctrTitle"/>
+          </p:nvPr>
+        </p:nvSpPr>
+        <p:spPr/>
+        <p:txBody>
+          <a:bodyPr>
+            <a:normAutofit fontScale="90000"/>
+          </a:bodyPr>
+          <a:lstStyle/>
+          <a:p>
+            <a:r>
+              <a:rPr lang="en-US" sz="3600" b="1" dirty="0" smtClean="0"/>
+              <a:t>TENSOR.BY</a:t>
+            </a:r>
+            <a:br>
+              <a:rPr lang="en-US" sz="3600" b="1" dirty="0" smtClean="0"/>
+            </a:br>
+            <a:r>
+              <a:rPr lang="en-US" sz="3600" b="1" dirty="0"/>
+              <a:t/>
+            </a:r>
+            <a:br>
+              <a:rPr lang="en-US" sz="3600" b="1" dirty="0"/>
+            </a:br>
+            <a:r>
+              <a:rPr lang="en-US" sz="3600" b="1" dirty="0" smtClean="0"/>
+              <a:t>ML-course</a:t>
+            </a:r>
+            <a:r>
+              <a:rPr lang="en-US" sz="3200" b="1" dirty="0" smtClean="0"/>
+              <a:t/>
+            </a:r>
+            <a:br>
+              <a:rPr lang="en-US" sz="3200" b="1" dirty="0" smtClean="0"/>
+            </a:br>
+            <a:r>
+              <a:rPr lang="en-US" sz="3100" dirty="0" smtClean="0"/>
+              <a:t/>
+            </a:r>
+            <a:br>
+              <a:rPr lang="en-US" sz="3100" dirty="0" smtClean="0"/>
+            </a:br>
+            <a:r>
+              <a:rPr lang="ru-RU" sz="3600" dirty="0" smtClean="0"/>
+              <a:t>1. </a:t>
+            </a:r>
+            <a:r>
+              <a:rPr lang="en-US" sz="3600" dirty="0"/>
+              <a:t>Preparing data for modeling in Python using </a:t>
+            </a:r>
+            <a:r>
+              <a:rPr lang="en-US" sz="3600" dirty="0" err="1" smtClean="0"/>
+              <a:t>Numpy</a:t>
+            </a:r>
+            <a:r>
+              <a:rPr lang="en-US" sz="3600" dirty="0" smtClean="0"/>
+              <a:t> </a:t>
+            </a:r>
+            <a:r>
+              <a:rPr lang="en-US" sz="3600" dirty="0"/>
+              <a:t>and Pandas packages</a:t>
+            </a:r>
+            <a:endParaRPr lang="ru-RU" sz="3600" b="1" dirty="0"/>
+          </a:p>
+        </p:txBody>
+      </p:sp>
+      <p:sp>
+        <p:nvSpPr>
+          <p:cNvPr id="3" name="Подзаголовок 2"/>
+          <p:cNvSpPr>
+            <a:spLocks noGrp="1"/>
+          </p:cNvSpPr>
+          <p:nvPr>
+            <p:ph type="subTitle" idx="1"/>
+          </p:nvPr>
+        </p:nvSpPr>
+        <p:spPr>
+          <a:xfrm>
+            <a:off x="1371600" y="4419600"/>
+            <a:ext cx="6400800" cy="1219200"/>
+          </a:xfrm>
+        </p:spPr>
+        <p:txBody>
+          <a:bodyPr>
+            <a:normAutofit/>
+          </a:bodyPr>
+          <a:lstStyle/>
+          <a:p>
+            <a:r>
+              <a:rPr lang="en-US" sz="2400" dirty="0" smtClean="0"/>
+              <a:t>Kate </a:t>
+            </a:r>
+            <a:r>
+              <a:rPr lang="en-US" sz="2400" dirty="0" err="1" smtClean="0"/>
+              <a:t>Miniukovich</a:t>
+            </a:r>
+            <a:r>
+              <a:rPr lang="en-US" sz="2400" dirty="0" smtClean="0"/>
+              <a:t> (Data Scientist),</a:t>
+            </a:r>
+          </a:p>
+          <a:p>
+            <a:r>
+              <a:rPr lang="en-US" sz="2400" dirty="0" smtClean="0">
+                <a:solidFill>
+                  <a:schemeClr val="bg1">
+                    <a:lumMod val="50000"/>
+                  </a:schemeClr>
+                </a:solidFill>
+              </a:rPr>
+              <a:t>miniukovich@rocketscience.ai</a:t>
+            </a:r>
+          </a:p>
+        </p:txBody>
+      </p:sp>
+      <p:sp>
+        <p:nvSpPr>
+          <p:cNvPr id="4" name="Нижний колонтитул 3"/>
+          <p:cNvSpPr>
+            <a:spLocks noGrp="1"/>
+          </p:cNvSpPr>
+          <p:nvPr>
+            <p:ph type="ftr" sz="quarter" idx="11"/>
+          </p:nvPr>
+        </p:nvSpPr>
+        <p:spPr/>
+        <p:txBody>
+          <a:bodyPr/>
+          <a:lstStyle/>
+          <a:p>
+            <a:r>
+              <a:rPr lang="en-US" b="1" dirty="0" smtClean="0"/>
+              <a:t>ML-course. </a:t>
+            </a:r>
+            <a:r>
+              <a:rPr lang="en-US" b="1" dirty="0"/>
+              <a:t>1. </a:t>
+            </a:r>
+            <a:r>
+              <a:rPr lang="en-US" dirty="0"/>
+              <a:t>Preparing data for modeling in Python </a:t>
+            </a:r>
+            <a:endParaRPr lang="ru-RU" dirty="0"/>
+          </a:p>
+        </p:txBody>
+      </p:sp>
+    </p:spTree>
+    <p:extLst>
+      <p:ext uri="{BB962C8B-B14F-4D97-AF65-F5344CB8AC3E}">
+        <p14:creationId xmlns:p14="http://schemas.microsoft.com/office/powerpoint/2010/main" val="868260036"/>
+      </p:ext>
+    </p:extLst>
+  </p:cSld>
+  <p:clrMapOvr>
+    <a:masterClrMapping/>
+  </p:clrMapOvr>
+  <p:timing>
+    <p:tnLst>
+      <p:par>
+        <p:cTn id="1" dur="indefinite" restart="never" nodeType="tmRoot"/>
+      </p:par>
+    </p:tnLst>
+  </p:timing>
+</p:sld>
+</file>
+
+<file path=ppt/slides/slide6.xml><?xml version="1.0" encoding="utf-8"?>
+<p:sld xmlns:a="http://schemas.openxmlformats.org/drawingml/2006/main" xmlns:r="http://schemas.openxmlformats.org/officeDocument/2006/relationships" xmlns:p="http://schemas.openxmlformats.org/presentationml/2006/main">
+  <p:cSld>
+    <p:spTree>
+      <p:nvGrpSpPr>
+        <p:cNvPr id="1" name=""/>
+        <p:cNvGrpSpPr/>
+        <p:nvPr/>
+      </p:nvGrpSpPr>
+      <p:grpSpPr>
+        <a:xfrm>
+          <a:off x="0" y="0"/>
+          <a:ext cx="0" cy="0"/>
+          <a:chOff x="0" y="0"/>
+          <a:chExt cx="0" cy="0"/>
+        </a:xfrm>
+      </p:grpSpPr>
+      <p:sp>
+        <p:nvSpPr>
+          <p:cNvPr id="2" name="Заголовок 1"/>
+          <p:cNvSpPr>
+            <a:spLocks noGrp="1"/>
+          </p:cNvSpPr>
+          <p:nvPr>
             <p:ph type="title"/>
           </p:nvPr>
         </p:nvSpPr>
@@ -5830,7 +6459,7 @@
             <a:fld id="{B491C8E4-965C-47C5-86B5-2FEC2000E3F4}" type="slidenum">
               <a:rPr lang="ru-RU" smtClean="0"/>
               <a:pPr/>
-              <a:t>5</a:t>
+              <a:t>6</a:t>
             </a:fld>
             <a:endParaRPr lang="ru-RU" dirty="0"/>
           </a:p>
@@ -5851,6 +6480,10 @@
           <a:bodyPr/>
           <a:lstStyle/>
           <a:p>
+            <a:r>
+              <a:rPr lang="en-US" b="1" dirty="0" smtClean="0"/>
+              <a:t>TENSOR.BY	</a:t>
+            </a:r>
             <a:r>
               <a:rPr lang="en-US" b="1" dirty="0" smtClean="0"/>
               <a:t>ML-course</a:t>
@@ -5931,10 +6564,17 @@
   <p:clrMapOvr>
     <a:masterClrMapping/>
   </p:clrMapOvr>
+  <p:timing>
+    <p:tnLst>
+      <p:par>
+        <p:cTn id="1" dur="indefinite" restart="never" nodeType="tmRoot"/>
+      </p:par>
+    </p:tnLst>
+  </p:timing>
 </p:sld>
 </file>
 
-<file path=ppt/slides/slide6.xml><?xml version="1.0" encoding="utf-8"?>
+<file path=ppt/slides/slide7.xml><?xml version="1.0" encoding="utf-8"?>
 <p:sld xmlns:a="http://schemas.openxmlformats.org/drawingml/2006/main" xmlns:r="http://schemas.openxmlformats.org/officeDocument/2006/relationships" xmlns:p="http://schemas.openxmlformats.org/presentationml/2006/main">
   <p:cSld>
     <p:spTree>
@@ -6117,7 +6757,7 @@
             <a:fld id="{B491C8E4-965C-47C5-86B5-2FEC2000E3F4}" type="slidenum">
               <a:rPr lang="ru-RU" smtClean="0"/>
               <a:pPr/>
-              <a:t>6</a:t>
+              <a:t>7</a:t>
             </a:fld>
             <a:endParaRPr lang="ru-RU" dirty="0"/>
           </a:p>
@@ -6140,7 +6780,11 @@
           <a:p>
             <a:r>
               <a:rPr lang="en-US" b="1" dirty="0"/>
-              <a:t>ML-course.   1. </a:t>
+              <a:t>TENSOR.BY	ML-course</a:t>
+            </a:r>
+            <a:r>
+              <a:rPr lang="en-US" b="1" dirty="0"/>
+              <a:t>.   1. </a:t>
             </a:r>
             <a:r>
               <a:rPr lang="en-US" dirty="0"/>
@@ -6184,10 +6828,17 @@
   <p:clrMapOvr>
     <a:masterClrMapping/>
   </p:clrMapOvr>
+  <p:timing>
+    <p:tnLst>
+      <p:par>
+        <p:cTn id="1" dur="indefinite" restart="never" nodeType="tmRoot"/>
+      </p:par>
+    </p:tnLst>
+  </p:timing>
 </p:sld>
 </file>
 
-<file path=ppt/slides/slide7.xml><?xml version="1.0" encoding="utf-8"?>
+<file path=ppt/slides/slide8.xml><?xml version="1.0" encoding="utf-8"?>
 <p:sld xmlns:a="http://schemas.openxmlformats.org/drawingml/2006/main" xmlns:r="http://schemas.openxmlformats.org/officeDocument/2006/relationships" xmlns:p="http://schemas.openxmlformats.org/presentationml/2006/main">
   <p:cSld>
     <p:spTree>
@@ -6253,7 +6904,7 @@
             <a:fld id="{B491C8E4-965C-47C5-86B5-2FEC2000E3F4}" type="slidenum">
               <a:rPr lang="ru-RU" smtClean="0"/>
               <a:pPr/>
-              <a:t>7</a:t>
+              <a:t>8</a:t>
             </a:fld>
             <a:endParaRPr lang="ru-RU" dirty="0"/>
           </a:p>
@@ -6276,7 +6927,11 @@
           <a:p>
             <a:r>
               <a:rPr lang="en-US" b="1" dirty="0"/>
-              <a:t>ML-course.   1. </a:t>
+              <a:t>TENSOR.BY	ML-course</a:t>
+            </a:r>
+            <a:r>
+              <a:rPr lang="en-US" b="1" dirty="0"/>
+              <a:t>.   1. </a:t>
             </a:r>
             <a:r>
               <a:rPr lang="en-US" dirty="0"/>
@@ -6383,247 +7038,6 @@
   <p:clrMapOvr>
     <a:masterClrMapping/>
   </p:clrMapOvr>
-</p:sld>
-</file>
-
-<file path=ppt/slides/slide8.xml><?xml version="1.0" encoding="utf-8"?>
-<p:sld xmlns:a="http://schemas.openxmlformats.org/drawingml/2006/main" xmlns:r="http://schemas.openxmlformats.org/officeDocument/2006/relationships" xmlns:p="http://schemas.openxmlformats.org/presentationml/2006/main">
-  <p:cSld>
-    <p:spTree>
-      <p:nvGrpSpPr>
-        <p:cNvPr id="1" name=""/>
-        <p:cNvGrpSpPr/>
-        <p:nvPr/>
-      </p:nvGrpSpPr>
-      <p:grpSpPr>
-        <a:xfrm>
-          <a:off x="0" y="0"/>
-          <a:ext cx="0" cy="0"/>
-          <a:chOff x="0" y="0"/>
-          <a:chExt cx="0" cy="0"/>
-        </a:xfrm>
-      </p:grpSpPr>
-      <p:sp>
-        <p:nvSpPr>
-          <p:cNvPr id="2" name="Заголовок 1"/>
-          <p:cNvSpPr>
-            <a:spLocks noGrp="1"/>
-          </p:cNvSpPr>
-          <p:nvPr>
-            <p:ph type="title"/>
-          </p:nvPr>
-        </p:nvSpPr>
-        <p:spPr/>
-        <p:txBody>
-          <a:bodyPr/>
-          <a:lstStyle/>
-          <a:p>
-            <a:r>
-              <a:rPr lang="en-US" dirty="0" smtClean="0"/>
-              <a:t>Objects</a:t>
-            </a:r>
-            <a:endParaRPr lang="ru-RU" dirty="0"/>
-          </a:p>
-        </p:txBody>
-      </p:sp>
-      <p:sp>
-        <p:nvSpPr>
-          <p:cNvPr id="3" name="Объект 2"/>
-          <p:cNvSpPr>
-            <a:spLocks noGrp="1"/>
-          </p:cNvSpPr>
-          <p:nvPr>
-            <p:ph idx="1"/>
-          </p:nvPr>
-        </p:nvSpPr>
-        <p:spPr/>
-        <p:txBody>
-          <a:bodyPr>
-            <a:normAutofit/>
-          </a:bodyPr>
-          <a:lstStyle/>
-          <a:p>
-            <a:pPr marL="0" indent="0">
-              <a:buNone/>
-            </a:pPr>
-            <a:r>
-              <a:rPr lang="en-US" b="1" dirty="0" err="1" smtClean="0"/>
-              <a:t>Ndarray</a:t>
-            </a:r>
-            <a:r>
-              <a:rPr lang="en-US" dirty="0"/>
-              <a:t>	</a:t>
-            </a:r>
-            <a:r>
-              <a:rPr lang="en-US" dirty="0" smtClean="0"/>
-              <a:t>	</a:t>
-            </a:r>
-            <a:r>
-              <a:rPr lang="en-US" sz="2800" dirty="0" smtClean="0"/>
-              <a:t>(</a:t>
-            </a:r>
-            <a:r>
-              <a:rPr lang="en-US" sz="2800" dirty="0" err="1" smtClean="0"/>
-              <a:t>numpy.ndarray</a:t>
-            </a:r>
-            <a:r>
-              <a:rPr lang="en-US" sz="2800" dirty="0" smtClean="0"/>
-              <a:t>)</a:t>
-            </a:r>
-          </a:p>
-          <a:p>
-            <a:pPr marL="0" indent="0">
-              <a:buNone/>
-            </a:pPr>
-            <a:r>
-              <a:rPr lang="en-US" b="1" dirty="0" smtClean="0"/>
-              <a:t>Series</a:t>
-            </a:r>
-            <a:r>
-              <a:rPr lang="en-US" dirty="0" smtClean="0"/>
-              <a:t>		</a:t>
-            </a:r>
-            <a:r>
-              <a:rPr lang="en-US" sz="2800" dirty="0" smtClean="0"/>
-              <a:t>(</a:t>
-            </a:r>
-            <a:r>
-              <a:rPr lang="en-US" sz="2800" dirty="0" err="1" smtClean="0"/>
-              <a:t>pandas.core.series.Series</a:t>
-            </a:r>
-            <a:r>
-              <a:rPr lang="en-US" sz="2800" dirty="0" smtClean="0"/>
-              <a:t>)</a:t>
-            </a:r>
-          </a:p>
-          <a:p>
-            <a:pPr marL="0" indent="0">
-              <a:buNone/>
-            </a:pPr>
-            <a:r>
-              <a:rPr lang="en-US" b="1" dirty="0" err="1" smtClean="0"/>
-              <a:t>DataFrame</a:t>
-            </a:r>
-            <a:r>
-              <a:rPr lang="en-US" b="1" dirty="0" smtClean="0"/>
-              <a:t>	</a:t>
-            </a:r>
-            <a:r>
-              <a:rPr lang="en-US" sz="2800" dirty="0" smtClean="0"/>
-              <a:t>(</a:t>
-            </a:r>
-            <a:r>
-              <a:rPr lang="en-US" sz="2800" dirty="0" err="1" smtClean="0"/>
-              <a:t>pandas.core.frame.DataFrame</a:t>
-            </a:r>
-            <a:r>
-              <a:rPr lang="en-US" sz="2800" dirty="0" smtClean="0"/>
-              <a:t>)</a:t>
-            </a:r>
-          </a:p>
-          <a:p>
-            <a:pPr marL="0" indent="0">
-              <a:buNone/>
-            </a:pPr>
-            <a:endParaRPr lang="en-US" dirty="0" smtClean="0"/>
-          </a:p>
-          <a:p>
-            <a:pPr marL="811213" indent="-360363"/>
-            <a:r>
-              <a:rPr lang="en-US" sz="3600" i="1" dirty="0" smtClean="0"/>
-              <a:t>.</a:t>
-            </a:r>
-            <a:r>
-              <a:rPr lang="en-US" i="1" dirty="0" smtClean="0"/>
-              <a:t>attribute</a:t>
-            </a:r>
-            <a:endParaRPr lang="en-US" i="1" dirty="0"/>
-          </a:p>
-          <a:p>
-            <a:pPr marL="811213" indent="-360363"/>
-            <a:r>
-              <a:rPr lang="en-US" sz="3600" i="1" dirty="0" smtClean="0"/>
-              <a:t>.</a:t>
-            </a:r>
-            <a:r>
-              <a:rPr lang="en-US" i="1" dirty="0" smtClean="0"/>
-              <a:t>method()</a:t>
-            </a:r>
-            <a:endParaRPr lang="en-US" i="1" dirty="0"/>
-          </a:p>
-          <a:p>
-            <a:pPr marL="811213" indent="-360363"/>
-            <a:r>
-              <a:rPr lang="en-US" i="1" dirty="0" smtClean="0"/>
-              <a:t>function()</a:t>
-            </a:r>
-          </a:p>
-          <a:p>
-            <a:endParaRPr lang="en-US" i="1" dirty="0"/>
-          </a:p>
-        </p:txBody>
-      </p:sp>
-      <p:sp>
-        <p:nvSpPr>
-          <p:cNvPr id="6" name="Нижний колонтитул 5"/>
-          <p:cNvSpPr>
-            <a:spLocks noGrp="1"/>
-          </p:cNvSpPr>
-          <p:nvPr>
-            <p:ph type="ftr" sz="quarter" idx="11"/>
-          </p:nvPr>
-        </p:nvSpPr>
-        <p:spPr/>
-        <p:txBody>
-          <a:bodyPr/>
-          <a:lstStyle/>
-          <a:p>
-            <a:r>
-              <a:rPr lang="en-US" b="1" dirty="0"/>
-              <a:t>ML-course.   1. </a:t>
-            </a:r>
-            <a:r>
-              <a:rPr lang="en-US" dirty="0"/>
-              <a:t>Preparing data for modeling in Python </a:t>
-            </a:r>
-            <a:endParaRPr lang="ru-RU" dirty="0"/>
-          </a:p>
-        </p:txBody>
-      </p:sp>
-      <p:sp>
-        <p:nvSpPr>
-          <p:cNvPr id="4" name="Номер слайда 3"/>
-          <p:cNvSpPr>
-            <a:spLocks noGrp="1"/>
-          </p:cNvSpPr>
-          <p:nvPr>
-            <p:ph type="sldNum" sz="quarter" idx="12"/>
-          </p:nvPr>
-        </p:nvSpPr>
-        <p:spPr/>
-        <p:txBody>
-          <a:bodyPr/>
-          <a:lstStyle/>
-          <a:p>
-            <a:fld id="{B491C8E4-965C-47C5-86B5-2FEC2000E3F4}" type="slidenum">
-              <a:rPr lang="ru-RU" smtClean="0"/>
-              <a:pPr/>
-              <a:t>8</a:t>
-            </a:fld>
-            <a:endParaRPr lang="ru-RU" dirty="0"/>
-          </a:p>
-        </p:txBody>
-      </p:sp>
-    </p:spTree>
-    <p:extLst>
-      <p:ext uri="{BB962C8B-B14F-4D97-AF65-F5344CB8AC3E}">
-        <p14:creationId xmlns:p14="http://schemas.microsoft.com/office/powerpoint/2010/main" val="633518113"/>
-      </p:ext>
-    </p:extLst>
-  </p:cSld>
-  <p:clrMapOvr>
-    <a:masterClrMapping/>
-  </p:clrMapOvr>
   <p:timing>
     <p:tnLst>
       <p:par>
@@ -6668,9 +7082,146 @@
           <a:p>
             <a:r>
               <a:rPr lang="en-US" dirty="0" smtClean="0"/>
-              <a:t>Practical part</a:t>
+              <a:t>Objects</a:t>
             </a:r>
             <a:endParaRPr lang="ru-RU" dirty="0"/>
+          </a:p>
+        </p:txBody>
+      </p:sp>
+      <p:sp>
+        <p:nvSpPr>
+          <p:cNvPr id="3" name="Объект 2"/>
+          <p:cNvSpPr>
+            <a:spLocks noGrp="1"/>
+          </p:cNvSpPr>
+          <p:nvPr>
+            <p:ph idx="1"/>
+          </p:nvPr>
+        </p:nvSpPr>
+        <p:spPr/>
+        <p:txBody>
+          <a:bodyPr>
+            <a:normAutofit/>
+          </a:bodyPr>
+          <a:lstStyle/>
+          <a:p>
+            <a:pPr marL="0" indent="0">
+              <a:buNone/>
+            </a:pPr>
+            <a:r>
+              <a:rPr lang="en-US" b="1" dirty="0" err="1" smtClean="0"/>
+              <a:t>Ndarray</a:t>
+            </a:r>
+            <a:r>
+              <a:rPr lang="en-US" dirty="0"/>
+              <a:t>	</a:t>
+            </a:r>
+            <a:r>
+              <a:rPr lang="en-US" dirty="0" smtClean="0"/>
+              <a:t>	</a:t>
+            </a:r>
+            <a:r>
+              <a:rPr lang="en-US" sz="2800" dirty="0" smtClean="0"/>
+              <a:t>(</a:t>
+            </a:r>
+            <a:r>
+              <a:rPr lang="en-US" sz="2800" dirty="0" err="1" smtClean="0"/>
+              <a:t>numpy.ndarray</a:t>
+            </a:r>
+            <a:r>
+              <a:rPr lang="en-US" sz="2800" dirty="0" smtClean="0"/>
+              <a:t>)</a:t>
+            </a:r>
+          </a:p>
+          <a:p>
+            <a:pPr marL="0" indent="0">
+              <a:buNone/>
+            </a:pPr>
+            <a:r>
+              <a:rPr lang="en-US" b="1" dirty="0" smtClean="0"/>
+              <a:t>Series</a:t>
+            </a:r>
+            <a:r>
+              <a:rPr lang="en-US" dirty="0" smtClean="0"/>
+              <a:t>		</a:t>
+            </a:r>
+            <a:r>
+              <a:rPr lang="en-US" sz="2800" dirty="0" smtClean="0"/>
+              <a:t>(</a:t>
+            </a:r>
+            <a:r>
+              <a:rPr lang="en-US" sz="2800" dirty="0" err="1" smtClean="0"/>
+              <a:t>pandas.core.series.Series</a:t>
+            </a:r>
+            <a:r>
+              <a:rPr lang="en-US" sz="2800" dirty="0" smtClean="0"/>
+              <a:t>)</a:t>
+            </a:r>
+          </a:p>
+          <a:p>
+            <a:pPr marL="0" indent="0">
+              <a:buNone/>
+            </a:pPr>
+            <a:r>
+              <a:rPr lang="en-US" b="1" dirty="0" err="1" smtClean="0"/>
+              <a:t>DataFrame</a:t>
+            </a:r>
+            <a:r>
+              <a:rPr lang="en-US" b="1" dirty="0" smtClean="0"/>
+              <a:t>	</a:t>
+            </a:r>
+            <a:r>
+              <a:rPr lang="en-US" sz="2800" dirty="0" smtClean="0"/>
+              <a:t>(</a:t>
+            </a:r>
+            <a:r>
+              <a:rPr lang="en-US" sz="2800" dirty="0" err="1" smtClean="0"/>
+              <a:t>pandas.core.frame.DataFrame</a:t>
+            </a:r>
+            <a:r>
+              <a:rPr lang="en-US" sz="2800" dirty="0" smtClean="0"/>
+              <a:t>)</a:t>
+            </a:r>
+          </a:p>
+          <a:p>
+            <a:pPr marL="0" indent="0">
+              <a:buNone/>
+            </a:pPr>
+            <a:endParaRPr lang="en-US" dirty="0" smtClean="0"/>
+          </a:p>
+          <a:p>
+            <a:pPr marL="811213" indent="-360363"/>
+            <a:r>
+              <a:rPr lang="en-US" sz="3600" i="1" dirty="0" smtClean="0"/>
+              <a:t>.</a:t>
+            </a:r>
+            <a:r>
+              <a:rPr lang="en-US" i="1" dirty="0" smtClean="0"/>
+              <a:t>attribute</a:t>
+            </a:r>
+            <a:endParaRPr lang="en-US" i="1" dirty="0"/>
+          </a:p>
+          <a:p>
+            <a:pPr marL="811213" indent="-360363"/>
+            <a:r>
+              <a:rPr lang="en-US" sz="3600" i="1" dirty="0" smtClean="0"/>
+              <a:t>.</a:t>
+            </a:r>
+            <a:r>
+              <a:rPr lang="en-US" i="1" dirty="0" smtClean="0"/>
+              <a:t>method()</a:t>
+            </a:r>
+            <a:endParaRPr lang="en-US" i="1" dirty="0"/>
+          </a:p>
+          <a:p>
+            <a:pPr marL="811213" indent="-360363"/>
+            <a:r>
+              <a:rPr lang="en-US" i="1" dirty="0" smtClean="0"/>
+              <a:t>function()</a:t>
+            </a:r>
+          </a:p>
+          <a:p>
+            <a:endParaRPr lang="en-US" i="1" dirty="0"/>
           </a:p>
         </p:txBody>
       </p:sp>
@@ -6725,169 +7276,10 @@
           </a:p>
         </p:txBody>
       </p:sp>
-      <p:pic>
-        <p:nvPicPr>
-          <p:cNvPr id="5" name="Рисунок 4"/>
-          <p:cNvPicPr>
-            <a:picLocks noChangeAspect="1"/>
-          </p:cNvPicPr>
-          <p:nvPr/>
-        </p:nvPicPr>
-        <p:blipFill>
-          <a:blip r:embed="rId2"/>
-          <a:stretch>
-            <a:fillRect/>
-          </a:stretch>
-        </p:blipFill>
-        <p:spPr>
-          <a:xfrm>
-            <a:off x="999067" y="1397778"/>
-            <a:ext cx="7015163" cy="1443038"/>
-          </a:xfrm>
-          <a:prstGeom prst="rect">
-            <a:avLst/>
-          </a:prstGeom>
-          <a:ln>
-            <a:solidFill>
-              <a:schemeClr val="accent1"/>
-            </a:solidFill>
-          </a:ln>
-        </p:spPr>
-      </p:pic>
-      <p:sp>
-        <p:nvSpPr>
-          <p:cNvPr id="3" name="TextBox 2"/>
-          <p:cNvSpPr txBox="1"/>
-          <p:nvPr/>
-        </p:nvSpPr>
-        <p:spPr>
-          <a:xfrm>
-            <a:off x="1572948" y="3276600"/>
-            <a:ext cx="6441282" cy="1938992"/>
-          </a:xfrm>
-          <a:prstGeom prst="rect">
-            <a:avLst/>
-          </a:prstGeom>
-          <a:noFill/>
-        </p:spPr>
-        <p:txBody>
-          <a:bodyPr wrap="square" rtlCol="0">
-            <a:spAutoFit/>
-          </a:bodyPr>
-          <a:lstStyle/>
-          <a:p>
-            <a:r>
-              <a:rPr lang="en-US" sz="2400" dirty="0" smtClean="0">
-                <a:latin typeface="Trebuchet MS" panose="020B0603020202020204" pitchFamily="34" charset="0"/>
-              </a:rPr>
-              <a:t>Files: </a:t>
-            </a:r>
-            <a:r>
-              <a:rPr lang="en-US" sz="2400" dirty="0" err="1" smtClean="0">
-                <a:latin typeface="Trebuchet MS" panose="020B0603020202020204" pitchFamily="34" charset="0"/>
-              </a:rPr>
-              <a:t>jn</a:t>
-            </a:r>
-            <a:r>
-              <a:rPr lang="en-US" sz="2400" dirty="0" smtClean="0">
-                <a:latin typeface="Trebuchet MS" panose="020B0603020202020204" pitchFamily="34" charset="0"/>
-              </a:rPr>
-              <a:t>\</a:t>
-            </a:r>
-          </a:p>
-          <a:p>
-            <a:pPr marL="285750" indent="-285750">
-              <a:buFont typeface="Arial" panose="020B0604020202020204" pitchFamily="34" charset="0"/>
-              <a:buChar char="•"/>
-            </a:pPr>
-            <a:endParaRPr lang="en-US" sz="2400" dirty="0">
-              <a:latin typeface="Trebuchet MS" panose="020B0603020202020204" pitchFamily="34" charset="0"/>
-            </a:endParaRPr>
-          </a:p>
-          <a:p>
-            <a:pPr marL="285750" indent="-285750">
-              <a:buFont typeface="Arial" panose="020B0604020202020204" pitchFamily="34" charset="0"/>
-              <a:buChar char="•"/>
-            </a:pPr>
-            <a:r>
-              <a:rPr lang="en-US" sz="2400" dirty="0" smtClean="0">
-                <a:latin typeface="Trebuchet MS" panose="020B0603020202020204" pitchFamily="34" charset="0"/>
-              </a:rPr>
-              <a:t>data\*.</a:t>
-            </a:r>
-            <a:r>
-              <a:rPr lang="en-US" sz="2400" dirty="0" err="1" smtClean="0">
-                <a:latin typeface="Trebuchet MS" panose="020B0603020202020204" pitchFamily="34" charset="0"/>
-              </a:rPr>
-              <a:t>csv</a:t>
-            </a:r>
-            <a:endParaRPr lang="en-US" sz="2400" dirty="0" smtClean="0">
-              <a:latin typeface="Trebuchet MS" panose="020B0603020202020204" pitchFamily="34" charset="0"/>
-            </a:endParaRPr>
-          </a:p>
-          <a:p>
-            <a:pPr marL="285750" indent="-285750">
-              <a:buFont typeface="Arial" panose="020B0604020202020204" pitchFamily="34" charset="0"/>
-              <a:buChar char="•"/>
-            </a:pPr>
-            <a:r>
-              <a:rPr lang="en-US" sz="2400" dirty="0" smtClean="0">
-                <a:latin typeface="Trebuchet MS" panose="020B0603020202020204" pitchFamily="34" charset="0"/>
-              </a:rPr>
-              <a:t>part1</a:t>
-            </a:r>
-            <a:r>
-              <a:rPr lang="ru-RU" sz="2400" dirty="0" smtClean="0">
-                <a:latin typeface="Trebuchet MS" panose="020B0603020202020204" pitchFamily="34" charset="0"/>
-              </a:rPr>
-              <a:t>_</a:t>
-            </a:r>
-            <a:r>
-              <a:rPr lang="en-US" sz="2400" dirty="0" err="1" smtClean="0">
-                <a:latin typeface="Trebuchet MS" panose="020B0603020202020204" pitchFamily="34" charset="0"/>
-              </a:rPr>
-              <a:t>numpy.jpynb</a:t>
-            </a:r>
-            <a:r>
-              <a:rPr lang="en-US" sz="2400" dirty="0" smtClean="0">
-                <a:latin typeface="Trebuchet MS" panose="020B0603020202020204" pitchFamily="34" charset="0"/>
-              </a:rPr>
-              <a:t>, part2_pandas.jpynb</a:t>
-            </a:r>
-          </a:p>
-          <a:p>
-            <a:pPr marL="285750" indent="-285750">
-              <a:buFont typeface="Arial" panose="020B0604020202020204" pitchFamily="34" charset="0"/>
-              <a:buChar char="•"/>
-            </a:pPr>
-            <a:r>
-              <a:rPr lang="en-US" sz="2400" dirty="0" smtClean="0">
-                <a:latin typeface="Trebuchet MS" panose="020B0603020202020204" pitchFamily="34" charset="0"/>
-              </a:rPr>
-              <a:t>Exercises-1.ipynb</a:t>
-            </a:r>
-            <a:r>
-              <a:rPr lang="en-US" sz="2400" smtClean="0">
-                <a:latin typeface="Trebuchet MS" panose="020B0603020202020204" pitchFamily="34" charset="0"/>
-              </a:rPr>
-              <a:t>,…, </a:t>
-            </a:r>
-            <a:r>
-              <a:rPr lang="en-US" sz="2400" smtClean="0">
-                <a:latin typeface="Trebuchet MS" panose="020B0603020202020204" pitchFamily="34" charset="0"/>
-              </a:rPr>
-              <a:t>Exercises-5.ipynb</a:t>
-            </a:r>
-            <a:endParaRPr lang="en-US" sz="2400" dirty="0" smtClean="0">
-              <a:latin typeface="Trebuchet MS" panose="020B0603020202020204" pitchFamily="34" charset="0"/>
-            </a:endParaRPr>
-          </a:p>
-        </p:txBody>
-      </p:sp>
     </p:spTree>
     <p:extLst>
       <p:ext uri="{BB962C8B-B14F-4D97-AF65-F5344CB8AC3E}">
-        <p14:creationId xmlns:p14="http://schemas.microsoft.com/office/powerpoint/2010/main" val="592942866"/>
+        <p14:creationId xmlns:p14="http://schemas.microsoft.com/office/powerpoint/2010/main" val="633518113"/>
       </p:ext>
     </p:extLst>
   </p:cSld>
